--- a/campaign01/scenario04/map04-b1f.pptx
+++ b/campaign01/scenario04/map04-b1f.pptx
@@ -288,7 +288,7 @@
           <a:p>
             <a:fld id="{BA359263-44C4-1F46-AA09-225B8E353BF1}" type="datetimeFigureOut">
               <a:rPr kumimoji="1" lang="ja-JP" altLang="en-US" smtClean="0"/>
-              <a:t>19/12/30</a:t>
+              <a:t>19/12/31</a:t>
             </a:fld>
             <a:endParaRPr kumimoji="1" lang="ja-JP" altLang="en-US"/>
           </a:p>
@@ -490,7 +490,7 @@
           <a:p>
             <a:fld id="{BA359263-44C4-1F46-AA09-225B8E353BF1}" type="datetimeFigureOut">
               <a:rPr kumimoji="1" lang="ja-JP" altLang="en-US" smtClean="0"/>
-              <a:t>19/12/30</a:t>
+              <a:t>19/12/31</a:t>
             </a:fld>
             <a:endParaRPr kumimoji="1" lang="ja-JP" altLang="en-US"/>
           </a:p>
@@ -702,7 +702,7 @@
           <a:p>
             <a:fld id="{BA359263-44C4-1F46-AA09-225B8E353BF1}" type="datetimeFigureOut">
               <a:rPr kumimoji="1" lang="ja-JP" altLang="en-US" smtClean="0"/>
-              <a:t>19/12/30</a:t>
+              <a:t>19/12/31</a:t>
             </a:fld>
             <a:endParaRPr kumimoji="1" lang="ja-JP" altLang="en-US"/>
           </a:p>
@@ -904,7 +904,7 @@
           <a:p>
             <a:fld id="{BA359263-44C4-1F46-AA09-225B8E353BF1}" type="datetimeFigureOut">
               <a:rPr kumimoji="1" lang="ja-JP" altLang="en-US" smtClean="0"/>
-              <a:t>19/12/30</a:t>
+              <a:t>19/12/31</a:t>
             </a:fld>
             <a:endParaRPr kumimoji="1" lang="ja-JP" altLang="en-US"/>
           </a:p>
@@ -1150,7 +1150,7 @@
           <a:p>
             <a:fld id="{BA359263-44C4-1F46-AA09-225B8E353BF1}" type="datetimeFigureOut">
               <a:rPr kumimoji="1" lang="ja-JP" altLang="en-US" smtClean="0"/>
-              <a:t>19/12/30</a:t>
+              <a:t>19/12/31</a:t>
             </a:fld>
             <a:endParaRPr kumimoji="1" lang="ja-JP" altLang="en-US"/>
           </a:p>
@@ -1502,7 +1502,7 @@
           <a:p>
             <a:fld id="{BA359263-44C4-1F46-AA09-225B8E353BF1}" type="datetimeFigureOut">
               <a:rPr kumimoji="1" lang="ja-JP" altLang="en-US" smtClean="0"/>
-              <a:t>19/12/30</a:t>
+              <a:t>19/12/31</a:t>
             </a:fld>
             <a:endParaRPr kumimoji="1" lang="ja-JP" altLang="en-US"/>
           </a:p>
@@ -1988,7 +1988,7 @@
           <a:p>
             <a:fld id="{BA359263-44C4-1F46-AA09-225B8E353BF1}" type="datetimeFigureOut">
               <a:rPr kumimoji="1" lang="ja-JP" altLang="en-US" smtClean="0"/>
-              <a:t>19/12/30</a:t>
+              <a:t>19/12/31</a:t>
             </a:fld>
             <a:endParaRPr kumimoji="1" lang="ja-JP" altLang="en-US"/>
           </a:p>
@@ -2106,7 +2106,7 @@
           <a:p>
             <a:fld id="{BA359263-44C4-1F46-AA09-225B8E353BF1}" type="datetimeFigureOut">
               <a:rPr kumimoji="1" lang="ja-JP" altLang="en-US" smtClean="0"/>
-              <a:t>19/12/30</a:t>
+              <a:t>19/12/31</a:t>
             </a:fld>
             <a:endParaRPr kumimoji="1" lang="ja-JP" altLang="en-US"/>
           </a:p>
@@ -2201,7 +2201,7 @@
           <a:p>
             <a:fld id="{BA359263-44C4-1F46-AA09-225B8E353BF1}" type="datetimeFigureOut">
               <a:rPr kumimoji="1" lang="ja-JP" altLang="en-US" smtClean="0"/>
-              <a:t>19/12/30</a:t>
+              <a:t>19/12/31</a:t>
             </a:fld>
             <a:endParaRPr kumimoji="1" lang="ja-JP" altLang="en-US"/>
           </a:p>
@@ -2510,7 +2510,7 @@
           <a:p>
             <a:fld id="{BA359263-44C4-1F46-AA09-225B8E353BF1}" type="datetimeFigureOut">
               <a:rPr kumimoji="1" lang="ja-JP" altLang="en-US" smtClean="0"/>
-              <a:t>19/12/30</a:t>
+              <a:t>19/12/31</a:t>
             </a:fld>
             <a:endParaRPr kumimoji="1" lang="ja-JP" altLang="en-US"/>
           </a:p>
@@ -2763,7 +2763,7 @@
           <a:p>
             <a:fld id="{BA359263-44C4-1F46-AA09-225B8E353BF1}" type="datetimeFigureOut">
               <a:rPr kumimoji="1" lang="ja-JP" altLang="en-US" smtClean="0"/>
-              <a:t>19/12/30</a:t>
+              <a:t>19/12/31</a:t>
             </a:fld>
             <a:endParaRPr kumimoji="1" lang="ja-JP" altLang="en-US"/>
           </a:p>
@@ -3008,7 +3008,7 @@
           <a:p>
             <a:fld id="{BA359263-44C4-1F46-AA09-225B8E353BF1}" type="datetimeFigureOut">
               <a:rPr kumimoji="1" lang="ja-JP" altLang="en-US" smtClean="0"/>
-              <a:t>19/12/30</a:t>
+              <a:t>19/12/31</a:t>
             </a:fld>
             <a:endParaRPr kumimoji="1" lang="ja-JP" altLang="en-US"/>
           </a:p>
@@ -3447,37 +3447,6 @@
       </p:cxnSp>
       <p:cxnSp>
         <p:nvCxnSpPr>
-          <p:cNvPr id="10" name="直線コネクタ 9"/>
-          <p:cNvCxnSpPr/>
-          <p:nvPr/>
-        </p:nvCxnSpPr>
-        <p:spPr>
-          <a:xfrm flipH="1">
-            <a:off x="1329289" y="3048000"/>
-            <a:ext cx="5249311" cy="0"/>
-          </a:xfrm>
-          <a:prstGeom prst="line">
-            <a:avLst/>
-          </a:prstGeom>
-          <a:ln w="57150" cmpd="sng"/>
-        </p:spPr>
-        <p:style>
-          <a:lnRef idx="2">
-            <a:schemeClr val="accent1"/>
-          </a:lnRef>
-          <a:fillRef idx="0">
-            <a:schemeClr val="accent1"/>
-          </a:fillRef>
-          <a:effectRef idx="1">
-            <a:schemeClr val="accent1"/>
-          </a:effectRef>
-          <a:fontRef idx="minor">
-            <a:schemeClr val="tx1"/>
-          </a:fontRef>
-        </p:style>
-      </p:cxnSp>
-      <p:cxnSp>
-        <p:nvCxnSpPr>
           <p:cNvPr id="15" name="直線コネクタ 14"/>
           <p:cNvCxnSpPr/>
           <p:nvPr/>
@@ -3788,37 +3757,6 @@
       </p:cxnSp>
       <p:cxnSp>
         <p:nvCxnSpPr>
-          <p:cNvPr id="47" name="直線コネクタ 46"/>
-          <p:cNvCxnSpPr/>
-          <p:nvPr/>
-        </p:nvCxnSpPr>
-        <p:spPr>
-          <a:xfrm flipH="1">
-            <a:off x="2959100" y="5861050"/>
-            <a:ext cx="1212850" cy="0"/>
-          </a:xfrm>
-          <a:prstGeom prst="line">
-            <a:avLst/>
-          </a:prstGeom>
-          <a:ln w="57150" cmpd="sng"/>
-        </p:spPr>
-        <p:style>
-          <a:lnRef idx="2">
-            <a:schemeClr val="accent1"/>
-          </a:lnRef>
-          <a:fillRef idx="0">
-            <a:schemeClr val="accent1"/>
-          </a:fillRef>
-          <a:effectRef idx="1">
-            <a:schemeClr val="accent1"/>
-          </a:effectRef>
-          <a:fontRef idx="minor">
-            <a:schemeClr val="tx1"/>
-          </a:fontRef>
-        </p:style>
-      </p:cxnSp>
-      <p:cxnSp>
-        <p:nvCxnSpPr>
           <p:cNvPr id="50" name="直線コネクタ 49"/>
           <p:cNvCxnSpPr/>
           <p:nvPr/>
@@ -4036,37 +3974,6 @@
       </p:cxnSp>
       <p:cxnSp>
         <p:nvCxnSpPr>
-          <p:cNvPr id="76" name="直線コネクタ 75"/>
-          <p:cNvCxnSpPr/>
-          <p:nvPr/>
-        </p:nvCxnSpPr>
-        <p:spPr>
-          <a:xfrm>
-            <a:off x="5784850" y="3048000"/>
-            <a:ext cx="0" cy="2393950"/>
-          </a:xfrm>
-          <a:prstGeom prst="line">
-            <a:avLst/>
-          </a:prstGeom>
-          <a:ln w="57150" cmpd="sng"/>
-        </p:spPr>
-        <p:style>
-          <a:lnRef idx="2">
-            <a:schemeClr val="accent1"/>
-          </a:lnRef>
-          <a:fillRef idx="0">
-            <a:schemeClr val="accent1"/>
-          </a:fillRef>
-          <a:effectRef idx="1">
-            <a:schemeClr val="accent1"/>
-          </a:effectRef>
-          <a:fontRef idx="minor">
-            <a:schemeClr val="tx1"/>
-          </a:fontRef>
-        </p:style>
-      </p:cxnSp>
-      <p:cxnSp>
-        <p:nvCxnSpPr>
           <p:cNvPr id="80" name="直線コネクタ 79"/>
           <p:cNvCxnSpPr/>
           <p:nvPr/>
@@ -4136,37 +4043,6 @@
         <p:spPr>
           <a:xfrm flipH="1">
             <a:off x="4565650" y="5441950"/>
-            <a:ext cx="1219200" cy="0"/>
-          </a:xfrm>
-          <a:prstGeom prst="line">
-            <a:avLst/>
-          </a:prstGeom>
-          <a:ln w="57150" cmpd="sng"/>
-        </p:spPr>
-        <p:style>
-          <a:lnRef idx="2">
-            <a:schemeClr val="accent1"/>
-          </a:lnRef>
-          <a:fillRef idx="0">
-            <a:schemeClr val="accent1"/>
-          </a:fillRef>
-          <a:effectRef idx="1">
-            <a:schemeClr val="accent1"/>
-          </a:effectRef>
-          <a:fontRef idx="minor">
-            <a:schemeClr val="tx1"/>
-          </a:fontRef>
-        </p:style>
-      </p:cxnSp>
-      <p:cxnSp>
-        <p:nvCxnSpPr>
-          <p:cNvPr id="89" name="直線コネクタ 88"/>
-          <p:cNvCxnSpPr/>
-          <p:nvPr/>
-        </p:nvCxnSpPr>
-        <p:spPr>
-          <a:xfrm flipH="1">
-            <a:off x="4565650" y="5041900"/>
             <a:ext cx="1219200" cy="0"/>
           </a:xfrm>
           <a:prstGeom prst="line">
@@ -4665,13 +4541,13 @@
       </p:sp>
       <p:sp>
         <p:nvSpPr>
-          <p:cNvPr id="140" name="正方形/長方形 139"/>
+          <p:cNvPr id="141" name="正方形/長方形 140"/>
           <p:cNvSpPr/>
           <p:nvPr/>
         </p:nvSpPr>
         <p:spPr>
           <a:xfrm>
-            <a:off x="3457575" y="5876925"/>
+            <a:off x="5086982" y="3794125"/>
             <a:ext cx="209550" cy="82550"/>
           </a:xfrm>
           <a:prstGeom prst="rect">
@@ -4705,13 +4581,13 @@
       </p:sp>
       <p:sp>
         <p:nvSpPr>
-          <p:cNvPr id="141" name="正方形/長方形 140"/>
+          <p:cNvPr id="142" name="正方形/長方形 141"/>
           <p:cNvSpPr/>
           <p:nvPr/>
         </p:nvSpPr>
         <p:spPr>
           <a:xfrm>
-            <a:off x="5086982" y="3794125"/>
+            <a:off x="3457575" y="4606925"/>
             <a:ext cx="209550" cy="82550"/>
           </a:xfrm>
           <a:prstGeom prst="rect">
@@ -4739,19 +4615,19 @@
           <a:lstStyle/>
           <a:p>
             <a:pPr algn="ctr"/>
-            <a:endParaRPr kumimoji="1" lang="ja-JP" altLang="en-US" dirty="0"/>
-          </a:p>
-        </p:txBody>
-      </p:sp>
-      <p:sp>
-        <p:nvSpPr>
-          <p:cNvPr id="142" name="正方形/長方形 141"/>
+            <a:endParaRPr kumimoji="1" lang="ja-JP" altLang="en-US"/>
+          </a:p>
+        </p:txBody>
+      </p:sp>
+      <p:sp>
+        <p:nvSpPr>
+          <p:cNvPr id="143" name="正方形/長方形 142"/>
           <p:cNvSpPr/>
           <p:nvPr/>
         </p:nvSpPr>
         <p:spPr>
           <a:xfrm>
-            <a:off x="3457575" y="4606925"/>
+            <a:off x="3867150" y="4194175"/>
             <a:ext cx="209550" cy="82550"/>
           </a:xfrm>
           <a:prstGeom prst="rect">
@@ -4785,13 +4661,13 @@
       </p:sp>
       <p:sp>
         <p:nvSpPr>
-          <p:cNvPr id="143" name="正方形/長方形 142"/>
+          <p:cNvPr id="145" name="正方形/長方形 144"/>
           <p:cNvSpPr/>
           <p:nvPr/>
         </p:nvSpPr>
         <p:spPr>
           <a:xfrm>
-            <a:off x="3867150" y="4194175"/>
+            <a:off x="2124075" y="5000625"/>
             <a:ext cx="209550" cy="82550"/>
           </a:xfrm>
           <a:prstGeom prst="rect">
@@ -4825,13 +4701,13 @@
       </p:sp>
       <p:sp>
         <p:nvSpPr>
-          <p:cNvPr id="144" name="正方形/長方形 143"/>
+          <p:cNvPr id="146" name="正方形/長方形 145"/>
           <p:cNvSpPr/>
           <p:nvPr/>
         </p:nvSpPr>
         <p:spPr>
-          <a:xfrm rot="5400000">
-            <a:off x="5680075" y="3197225"/>
+          <a:xfrm>
+            <a:off x="5461000" y="4194175"/>
             <a:ext cx="209550" cy="82550"/>
           </a:xfrm>
           <a:prstGeom prst="rect">
@@ -4865,13 +4741,13 @@
       </p:sp>
       <p:sp>
         <p:nvSpPr>
-          <p:cNvPr id="145" name="正方形/長方形 144"/>
+          <p:cNvPr id="147" name="正方形/長方形 146"/>
           <p:cNvSpPr/>
           <p:nvPr/>
         </p:nvSpPr>
         <p:spPr>
           <a:xfrm>
-            <a:off x="2124075" y="5000625"/>
+            <a:off x="1911350" y="5000625"/>
             <a:ext cx="209550" cy="82550"/>
           </a:xfrm>
           <a:prstGeom prst="rect">
@@ -4905,13 +4781,13 @@
       </p:sp>
       <p:sp>
         <p:nvSpPr>
-          <p:cNvPr id="146" name="正方形/長方形 145"/>
+          <p:cNvPr id="148" name="正方形/長方形 147"/>
           <p:cNvSpPr/>
           <p:nvPr/>
         </p:nvSpPr>
         <p:spPr>
           <a:xfrm>
-            <a:off x="5461000" y="4194175"/>
+            <a:off x="6680200" y="4606925"/>
             <a:ext cx="209550" cy="82550"/>
           </a:xfrm>
           <a:prstGeom prst="rect">
@@ -4939,19 +4815,19 @@
           <a:lstStyle/>
           <a:p>
             <a:pPr algn="ctr"/>
-            <a:endParaRPr kumimoji="1" lang="ja-JP" altLang="en-US"/>
-          </a:p>
-        </p:txBody>
-      </p:sp>
-      <p:sp>
-        <p:nvSpPr>
-          <p:cNvPr id="147" name="正方形/長方形 146"/>
+            <a:endParaRPr kumimoji="1" lang="ja-JP" altLang="en-US" dirty="0"/>
+          </a:p>
+        </p:txBody>
+      </p:sp>
+      <p:sp>
+        <p:nvSpPr>
+          <p:cNvPr id="149" name="正方形/長方形 148"/>
           <p:cNvSpPr/>
           <p:nvPr/>
         </p:nvSpPr>
         <p:spPr>
-          <a:xfrm>
-            <a:off x="1911350" y="5000625"/>
+          <a:xfrm rot="5400000">
+            <a:off x="2854325" y="6426200"/>
             <a:ext cx="209550" cy="82550"/>
           </a:xfrm>
           <a:prstGeom prst="rect">
@@ -4979,19 +4855,19 @@
           <a:lstStyle/>
           <a:p>
             <a:pPr algn="ctr"/>
-            <a:endParaRPr kumimoji="1" lang="ja-JP" altLang="en-US"/>
-          </a:p>
-        </p:txBody>
-      </p:sp>
-      <p:sp>
-        <p:nvSpPr>
-          <p:cNvPr id="148" name="正方形/長方形 147"/>
+            <a:endParaRPr kumimoji="1" lang="ja-JP" altLang="en-US" dirty="0"/>
+          </a:p>
+        </p:txBody>
+      </p:sp>
+      <p:sp>
+        <p:nvSpPr>
+          <p:cNvPr id="150" name="正方形/長方形 149"/>
           <p:cNvSpPr/>
           <p:nvPr/>
         </p:nvSpPr>
         <p:spPr>
-          <a:xfrm>
-            <a:off x="6680200" y="4606925"/>
+          <a:xfrm rot="5400000">
+            <a:off x="2854325" y="5629275"/>
             <a:ext cx="209550" cy="82550"/>
           </a:xfrm>
           <a:prstGeom prst="rect">
@@ -5025,13 +4901,13 @@
       </p:sp>
       <p:sp>
         <p:nvSpPr>
-          <p:cNvPr id="149" name="正方形/長方形 148"/>
+          <p:cNvPr id="151" name="正方形/長方形 150"/>
           <p:cNvSpPr/>
           <p:nvPr/>
         </p:nvSpPr>
         <p:spPr>
           <a:xfrm rot="5400000">
-            <a:off x="2854325" y="6426200"/>
+            <a:off x="4060825" y="5584825"/>
             <a:ext cx="209550" cy="82550"/>
           </a:xfrm>
           <a:prstGeom prst="rect">
@@ -5065,13 +4941,13 @@
       </p:sp>
       <p:sp>
         <p:nvSpPr>
-          <p:cNvPr id="150" name="正方形/長方形 149"/>
+          <p:cNvPr id="153" name="正方形/長方形 152"/>
           <p:cNvSpPr/>
           <p:nvPr/>
         </p:nvSpPr>
         <p:spPr>
           <a:xfrm rot="5400000">
-            <a:off x="2854325" y="5629275"/>
+            <a:off x="4060825" y="6426200"/>
             <a:ext cx="209550" cy="82550"/>
           </a:xfrm>
           <a:prstGeom prst="rect">
@@ -5105,13 +4981,13 @@
       </p:sp>
       <p:sp>
         <p:nvSpPr>
-          <p:cNvPr id="151" name="正方形/長方形 150"/>
+          <p:cNvPr id="154" name="正方形/長方形 153"/>
           <p:cNvSpPr/>
           <p:nvPr/>
         </p:nvSpPr>
         <p:spPr>
           <a:xfrm rot="5400000">
-            <a:off x="4060825" y="5584825"/>
+            <a:off x="4460875" y="6426200"/>
             <a:ext cx="209550" cy="82550"/>
           </a:xfrm>
           <a:prstGeom prst="rect">
@@ -5145,126 +5021,6 @@
       </p:sp>
       <p:sp>
         <p:nvSpPr>
-          <p:cNvPr id="152" name="正方形/長方形 151"/>
-          <p:cNvSpPr/>
-          <p:nvPr/>
-        </p:nvSpPr>
-        <p:spPr>
-          <a:xfrm rot="5400000">
-            <a:off x="5680075" y="3597275"/>
-            <a:ext cx="209550" cy="82550"/>
-          </a:xfrm>
-          <a:prstGeom prst="rect">
-            <a:avLst/>
-          </a:prstGeom>
-        </p:spPr>
-        <p:style>
-          <a:lnRef idx="2">
-            <a:schemeClr val="accent6">
-              <a:shade val="50000"/>
-            </a:schemeClr>
-          </a:lnRef>
-          <a:fillRef idx="1">
-            <a:schemeClr val="accent6"/>
-          </a:fillRef>
-          <a:effectRef idx="0">
-            <a:schemeClr val="accent6"/>
-          </a:effectRef>
-          <a:fontRef idx="minor">
-            <a:schemeClr val="lt1"/>
-          </a:fontRef>
-        </p:style>
-        <p:txBody>
-          <a:bodyPr rtlCol="0" anchor="ctr"/>
-          <a:lstStyle/>
-          <a:p>
-            <a:pPr algn="ctr"/>
-            <a:endParaRPr kumimoji="1" lang="ja-JP" altLang="en-US"/>
-          </a:p>
-        </p:txBody>
-      </p:sp>
-      <p:sp>
-        <p:nvSpPr>
-          <p:cNvPr id="153" name="正方形/長方形 152"/>
-          <p:cNvSpPr/>
-          <p:nvPr/>
-        </p:nvSpPr>
-        <p:spPr>
-          <a:xfrm rot="5400000">
-            <a:off x="4060825" y="6426200"/>
-            <a:ext cx="209550" cy="82550"/>
-          </a:xfrm>
-          <a:prstGeom prst="rect">
-            <a:avLst/>
-          </a:prstGeom>
-        </p:spPr>
-        <p:style>
-          <a:lnRef idx="2">
-            <a:schemeClr val="accent6">
-              <a:shade val="50000"/>
-            </a:schemeClr>
-          </a:lnRef>
-          <a:fillRef idx="1">
-            <a:schemeClr val="accent6"/>
-          </a:fillRef>
-          <a:effectRef idx="0">
-            <a:schemeClr val="accent6"/>
-          </a:effectRef>
-          <a:fontRef idx="minor">
-            <a:schemeClr val="lt1"/>
-          </a:fontRef>
-        </p:style>
-        <p:txBody>
-          <a:bodyPr rtlCol="0" anchor="ctr"/>
-          <a:lstStyle/>
-          <a:p>
-            <a:pPr algn="ctr"/>
-            <a:endParaRPr kumimoji="1" lang="ja-JP" altLang="en-US" dirty="0"/>
-          </a:p>
-        </p:txBody>
-      </p:sp>
-      <p:sp>
-        <p:nvSpPr>
-          <p:cNvPr id="154" name="正方形/長方形 153"/>
-          <p:cNvSpPr/>
-          <p:nvPr/>
-        </p:nvSpPr>
-        <p:spPr>
-          <a:xfrm rot="5400000">
-            <a:off x="4460875" y="6426200"/>
-            <a:ext cx="209550" cy="82550"/>
-          </a:xfrm>
-          <a:prstGeom prst="rect">
-            <a:avLst/>
-          </a:prstGeom>
-        </p:spPr>
-        <p:style>
-          <a:lnRef idx="2">
-            <a:schemeClr val="accent6">
-              <a:shade val="50000"/>
-            </a:schemeClr>
-          </a:lnRef>
-          <a:fillRef idx="1">
-            <a:schemeClr val="accent6"/>
-          </a:fillRef>
-          <a:effectRef idx="0">
-            <a:schemeClr val="accent6"/>
-          </a:effectRef>
-          <a:fontRef idx="minor">
-            <a:schemeClr val="lt1"/>
-          </a:fontRef>
-        </p:style>
-        <p:txBody>
-          <a:bodyPr rtlCol="0" anchor="ctr"/>
-          <a:lstStyle/>
-          <a:p>
-            <a:pPr algn="ctr"/>
-            <a:endParaRPr kumimoji="1" lang="ja-JP" altLang="en-US" dirty="0"/>
-          </a:p>
-        </p:txBody>
-      </p:sp>
-      <p:sp>
-        <p:nvSpPr>
           <p:cNvPr id="155" name="フローチャート: 論理積ゲート 154"/>
           <p:cNvSpPr/>
           <p:nvPr/>
@@ -5557,7 +5313,7 @@
         </p:nvSpPr>
         <p:spPr>
           <a:xfrm>
-            <a:off x="1929772" y="3743325"/>
+            <a:off x="1951370" y="4021525"/>
             <a:ext cx="382255" cy="369332"/>
           </a:xfrm>
           <a:prstGeom prst="rect">
@@ -5600,7 +5356,7 @@
         <p:spPr>
           <a:xfrm>
             <a:off x="2973730" y="3018393"/>
-            <a:ext cx="369558" cy="369332"/>
+            <a:ext cx="377026" cy="369332"/>
           </a:xfrm>
           <a:prstGeom prst="rect">
             <a:avLst/>
@@ -5614,14 +5370,14 @@
           <a:lstStyle/>
           <a:p>
             <a:r>
-              <a:rPr kumimoji="1" lang="en-US" altLang="ja-JP" b="1" dirty="0" smtClean="0">
+              <a:rPr lang="en-US" altLang="ja-JP" b="1" dirty="0" smtClean="0">
                 <a:solidFill>
                   <a:srgbClr val="FF0000"/>
                 </a:solidFill>
                 <a:latin typeface="American Typewriter"/>
                 <a:cs typeface="American Typewriter"/>
               </a:rPr>
-              <a:t>I’</a:t>
+              <a:t>K</a:t>
             </a:r>
             <a:endParaRPr kumimoji="1" lang="ja-JP" altLang="en-US" b="1" dirty="0">
               <a:solidFill>
@@ -6061,7 +5817,7 @@
         </p:nvSpPr>
         <p:spPr>
           <a:xfrm>
-            <a:off x="3399161" y="5885418"/>
+            <a:off x="3743560" y="5866884"/>
             <a:ext cx="344399" cy="369332"/>
           </a:xfrm>
           <a:prstGeom prst="rect">
@@ -7273,7 +7029,7 @@
         </p:blipFill>
         <p:spPr>
           <a:xfrm>
-            <a:off x="3391747" y="5447204"/>
+            <a:off x="3362316" y="5467720"/>
             <a:ext cx="392653" cy="392653"/>
           </a:xfrm>
           <a:prstGeom prst="rect">
@@ -8511,6 +8267,310 @@
           </a:prstGeom>
         </p:spPr>
       </p:pic>
+      <p:pic>
+        <p:nvPicPr>
+          <p:cNvPr id="2" name="図 1" descr="armor.jpg"/>
+          <p:cNvPicPr>
+            <a:picLocks noChangeAspect="1"/>
+          </p:cNvPicPr>
+          <p:nvPr/>
+        </p:nvPicPr>
+        <p:blipFill>
+          <a:blip r:embed="rId19">
+            <a:extLst>
+              <a:ext uri="{28A0092B-C50C-407E-A947-70E740481C1C}">
+                <a14:useLocalDpi xmlns:a14="http://schemas.microsoft.com/office/drawing/2010/main" val="0"/>
+              </a:ext>
+            </a:extLst>
+          </a:blip>
+          <a:stretch>
+            <a:fillRect/>
+          </a:stretch>
+        </p:blipFill>
+        <p:spPr>
+          <a:xfrm>
+            <a:off x="3826178" y="5558372"/>
+            <a:ext cx="216953" cy="216953"/>
+          </a:xfrm>
+          <a:prstGeom prst="rect">
+            <a:avLst/>
+          </a:prstGeom>
+        </p:spPr>
+      </p:pic>
+      <p:cxnSp>
+        <p:nvCxnSpPr>
+          <p:cNvPr id="89" name="直線コネクタ 88"/>
+          <p:cNvCxnSpPr/>
+          <p:nvPr/>
+        </p:nvCxnSpPr>
+        <p:spPr>
+          <a:xfrm flipH="1">
+            <a:off x="4565650" y="5041900"/>
+            <a:ext cx="1219200" cy="0"/>
+          </a:xfrm>
+          <a:prstGeom prst="line">
+            <a:avLst/>
+          </a:prstGeom>
+          <a:ln w="57150" cmpd="sng"/>
+        </p:spPr>
+        <p:style>
+          <a:lnRef idx="2">
+            <a:schemeClr val="accent1"/>
+          </a:lnRef>
+          <a:fillRef idx="0">
+            <a:schemeClr val="accent1"/>
+          </a:fillRef>
+          <a:effectRef idx="1">
+            <a:schemeClr val="accent1"/>
+          </a:effectRef>
+          <a:fontRef idx="minor">
+            <a:schemeClr val="tx1"/>
+          </a:fontRef>
+        </p:style>
+      </p:cxnSp>
+      <p:cxnSp>
+        <p:nvCxnSpPr>
+          <p:cNvPr id="76" name="直線コネクタ 75"/>
+          <p:cNvCxnSpPr/>
+          <p:nvPr/>
+        </p:nvCxnSpPr>
+        <p:spPr>
+          <a:xfrm>
+            <a:off x="5784850" y="3048000"/>
+            <a:ext cx="0" cy="2393950"/>
+          </a:xfrm>
+          <a:prstGeom prst="line">
+            <a:avLst/>
+          </a:prstGeom>
+          <a:ln w="57150" cmpd="sng"/>
+        </p:spPr>
+        <p:style>
+          <a:lnRef idx="2">
+            <a:schemeClr val="accent1"/>
+          </a:lnRef>
+          <a:fillRef idx="0">
+            <a:schemeClr val="accent1"/>
+          </a:fillRef>
+          <a:effectRef idx="1">
+            <a:schemeClr val="accent1"/>
+          </a:effectRef>
+          <a:fontRef idx="minor">
+            <a:schemeClr val="tx1"/>
+          </a:fontRef>
+        </p:style>
+      </p:cxnSp>
+      <p:cxnSp>
+        <p:nvCxnSpPr>
+          <p:cNvPr id="47" name="直線コネクタ 46"/>
+          <p:cNvCxnSpPr/>
+          <p:nvPr/>
+        </p:nvCxnSpPr>
+        <p:spPr>
+          <a:xfrm flipH="1">
+            <a:off x="2959100" y="5861050"/>
+            <a:ext cx="1212850" cy="0"/>
+          </a:xfrm>
+          <a:prstGeom prst="line">
+            <a:avLst/>
+          </a:prstGeom>
+          <a:ln w="57150" cmpd="sng"/>
+        </p:spPr>
+        <p:style>
+          <a:lnRef idx="2">
+            <a:schemeClr val="accent1"/>
+          </a:lnRef>
+          <a:fillRef idx="0">
+            <a:schemeClr val="accent1"/>
+          </a:fillRef>
+          <a:effectRef idx="1">
+            <a:schemeClr val="accent1"/>
+          </a:effectRef>
+          <a:fontRef idx="minor">
+            <a:schemeClr val="tx1"/>
+          </a:fontRef>
+        </p:style>
+      </p:cxnSp>
+      <p:sp>
+        <p:nvSpPr>
+          <p:cNvPr id="140" name="正方形/長方形 139"/>
+          <p:cNvSpPr/>
+          <p:nvPr/>
+        </p:nvSpPr>
+        <p:spPr>
+          <a:xfrm>
+            <a:off x="3457575" y="5883275"/>
+            <a:ext cx="209550" cy="82550"/>
+          </a:xfrm>
+          <a:prstGeom prst="rect">
+            <a:avLst/>
+          </a:prstGeom>
+        </p:spPr>
+        <p:style>
+          <a:lnRef idx="2">
+            <a:schemeClr val="accent6">
+              <a:shade val="50000"/>
+            </a:schemeClr>
+          </a:lnRef>
+          <a:fillRef idx="1">
+            <a:schemeClr val="accent6"/>
+          </a:fillRef>
+          <a:effectRef idx="0">
+            <a:schemeClr val="accent6"/>
+          </a:effectRef>
+          <a:fontRef idx="minor">
+            <a:schemeClr val="lt1"/>
+          </a:fontRef>
+        </p:style>
+        <p:txBody>
+          <a:bodyPr rtlCol="0" anchor="ctr"/>
+          <a:lstStyle/>
+          <a:p>
+            <a:pPr algn="ctr"/>
+            <a:endParaRPr kumimoji="1" lang="ja-JP" altLang="en-US" dirty="0"/>
+          </a:p>
+        </p:txBody>
+      </p:sp>
+      <p:pic>
+        <p:nvPicPr>
+          <p:cNvPr id="182" name="図 181" descr="bed.jpg"/>
+          <p:cNvPicPr>
+            <a:picLocks noChangeAspect="1"/>
+          </p:cNvPicPr>
+          <p:nvPr/>
+        </p:nvPicPr>
+        <p:blipFill>
+          <a:blip r:embed="rId6">
+            <a:extLst>
+              <a:ext uri="{28A0092B-C50C-407E-A947-70E740481C1C}">
+                <a14:useLocalDpi xmlns:a14="http://schemas.microsoft.com/office/drawing/2010/main" val="0"/>
+              </a:ext>
+            </a:extLst>
+          </a:blip>
+          <a:stretch>
+            <a:fillRect/>
+          </a:stretch>
+        </p:blipFill>
+        <p:spPr>
+          <a:xfrm rot="5400000">
+            <a:off x="2039641" y="3670300"/>
+            <a:ext cx="238125" cy="238125"/>
+          </a:xfrm>
+          <a:prstGeom prst="rect">
+            <a:avLst/>
+          </a:prstGeom>
+        </p:spPr>
+      </p:pic>
+      <p:cxnSp>
+        <p:nvCxnSpPr>
+          <p:cNvPr id="10" name="直線コネクタ 9"/>
+          <p:cNvCxnSpPr/>
+          <p:nvPr/>
+        </p:nvCxnSpPr>
+        <p:spPr>
+          <a:xfrm flipH="1">
+            <a:off x="1329289" y="3048000"/>
+            <a:ext cx="5249311" cy="0"/>
+          </a:xfrm>
+          <a:prstGeom prst="line">
+            <a:avLst/>
+          </a:prstGeom>
+          <a:ln w="57150" cmpd="sng"/>
+        </p:spPr>
+        <p:style>
+          <a:lnRef idx="2">
+            <a:schemeClr val="accent1"/>
+          </a:lnRef>
+          <a:fillRef idx="0">
+            <a:schemeClr val="accent1"/>
+          </a:fillRef>
+          <a:effectRef idx="1">
+            <a:schemeClr val="accent1"/>
+          </a:effectRef>
+          <a:fontRef idx="minor">
+            <a:schemeClr val="tx1"/>
+          </a:fontRef>
+        </p:style>
+      </p:cxnSp>
+      <p:sp>
+        <p:nvSpPr>
+          <p:cNvPr id="144" name="正方形/長方形 143"/>
+          <p:cNvSpPr/>
+          <p:nvPr/>
+        </p:nvSpPr>
+        <p:spPr>
+          <a:xfrm rot="5400000">
+            <a:off x="5680075" y="3197225"/>
+            <a:ext cx="209550" cy="82550"/>
+          </a:xfrm>
+          <a:prstGeom prst="rect">
+            <a:avLst/>
+          </a:prstGeom>
+        </p:spPr>
+        <p:style>
+          <a:lnRef idx="2">
+            <a:schemeClr val="accent6">
+              <a:shade val="50000"/>
+            </a:schemeClr>
+          </a:lnRef>
+          <a:fillRef idx="1">
+            <a:schemeClr val="accent6"/>
+          </a:fillRef>
+          <a:effectRef idx="0">
+            <a:schemeClr val="accent6"/>
+          </a:effectRef>
+          <a:fontRef idx="minor">
+            <a:schemeClr val="lt1"/>
+          </a:fontRef>
+        </p:style>
+        <p:txBody>
+          <a:bodyPr rtlCol="0" anchor="ctr"/>
+          <a:lstStyle/>
+          <a:p>
+            <a:pPr algn="ctr"/>
+            <a:endParaRPr kumimoji="1" lang="ja-JP" altLang="en-US"/>
+          </a:p>
+        </p:txBody>
+      </p:sp>
+      <p:sp>
+        <p:nvSpPr>
+          <p:cNvPr id="152" name="正方形/長方形 151"/>
+          <p:cNvSpPr/>
+          <p:nvPr/>
+        </p:nvSpPr>
+        <p:spPr>
+          <a:xfrm rot="5400000">
+            <a:off x="5680075" y="3597275"/>
+            <a:ext cx="209550" cy="82550"/>
+          </a:xfrm>
+          <a:prstGeom prst="rect">
+            <a:avLst/>
+          </a:prstGeom>
+        </p:spPr>
+        <p:style>
+          <a:lnRef idx="2">
+            <a:schemeClr val="accent6">
+              <a:shade val="50000"/>
+            </a:schemeClr>
+          </a:lnRef>
+          <a:fillRef idx="1">
+            <a:schemeClr val="accent6"/>
+          </a:fillRef>
+          <a:effectRef idx="0">
+            <a:schemeClr val="accent6"/>
+          </a:effectRef>
+          <a:fontRef idx="minor">
+            <a:schemeClr val="lt1"/>
+          </a:fontRef>
+        </p:style>
+        <p:txBody>
+          <a:bodyPr rtlCol="0" anchor="ctr"/>
+          <a:lstStyle/>
+          <a:p>
+            <a:pPr algn="ctr"/>
+            <a:endParaRPr kumimoji="1" lang="ja-JP" altLang="en-US"/>
+          </a:p>
+        </p:txBody>
+      </p:sp>
     </p:spTree>
     <p:extLst>
       <p:ext uri="{BB962C8B-B14F-4D97-AF65-F5344CB8AC3E}">

--- a/campaign01/scenario04/map04-b1f.pptx
+++ b/campaign01/scenario04/map04-b1f.pptx
@@ -8568,6 +8568,48 @@
           <a:p>
             <a:pPr algn="ctr"/>
             <a:endParaRPr kumimoji="1" lang="ja-JP" altLang="en-US"/>
+          </a:p>
+        </p:txBody>
+      </p:sp>
+      <p:sp>
+        <p:nvSpPr>
+          <p:cNvPr id="183" name="テキスト ボックス 182"/>
+          <p:cNvSpPr txBox="1"/>
+          <p:nvPr/>
+        </p:nvSpPr>
+        <p:spPr>
+          <a:xfrm>
+            <a:off x="4171950" y="3866118"/>
+            <a:ext cx="382255" cy="369332"/>
+          </a:xfrm>
+          <a:prstGeom prst="rect">
+            <a:avLst/>
+          </a:prstGeom>
+          <a:noFill/>
+        </p:spPr>
+        <p:txBody>
+          <a:bodyPr wrap="none" rtlCol="0">
+            <a:spAutoFit/>
+          </a:bodyPr>
+          <a:lstStyle/>
+          <a:p>
+            <a:r>
+              <a:rPr kumimoji="1" lang="en-US" altLang="ja-JP" b="1" smtClean="0">
+                <a:solidFill>
+                  <a:srgbClr val="FF0000"/>
+                </a:solidFill>
+                <a:latin typeface="American Typewriter"/>
+                <a:cs typeface="American Typewriter"/>
+              </a:rPr>
+              <a:t>H</a:t>
+            </a:r>
+            <a:endParaRPr kumimoji="1" lang="ja-JP" altLang="en-US" b="1" dirty="0">
+              <a:solidFill>
+                <a:srgbClr val="FF0000"/>
+              </a:solidFill>
+              <a:latin typeface="American Typewriter"/>
+              <a:cs typeface="American Typewriter"/>
+            </a:endParaRPr>
           </a:p>
         </p:txBody>
       </p:sp>
